--- a/插值法和最小二乘拟合/插值法和最小二乘拟合.pptx
+++ b/插值法和最小二乘拟合/插值法和最小二乘拟合.pptx
@@ -2931,7 +2931,7 @@
         <p:spPr>
           <a:xfrm>
             <a:off x="2701636" y="651164"/>
-            <a:ext cx="6594764" cy="1200329"/>
+            <a:ext cx="6594764" cy="1198880"/>
           </a:xfrm>
           <a:prstGeom prst="rect">
             <a:avLst/>
@@ -3052,7 +3052,7 @@
         </p:nvSpPr>
         <p:spPr>
           <a:xfrm>
-            <a:off x="2697480" y="297180"/>
+            <a:off x="2697480" y="436880"/>
             <a:ext cx="5417820" cy="923330"/>
           </a:xfrm>
           <a:prstGeom prst="rect">
@@ -3112,7 +3112,7 @@
         </p:blipFill>
         <p:spPr>
           <a:xfrm>
-            <a:off x="1385454" y="1373332"/>
+            <a:off x="1385454" y="1817832"/>
             <a:ext cx="7772400" cy="3916560"/>
           </a:xfrm>
           <a:prstGeom prst="rect">
